--- a/LabBook_10.pptx
+++ b/LabBook_10.pptx
@@ -5,19 +5,21 @@
     <p:sldMasterId id="2147483648" r:id="rId1"/>
   </p:sldMasterIdLst>
   <p:notesMasterIdLst>
-    <p:notesMasterId r:id="rId9"/>
+    <p:notesMasterId r:id="rId11"/>
   </p:notesMasterIdLst>
   <p:handoutMasterIdLst>
-    <p:handoutMasterId r:id="rId10"/>
+    <p:handoutMasterId r:id="rId12"/>
   </p:handoutMasterIdLst>
   <p:sldIdLst>
     <p:sldId id="256" r:id="rId2"/>
     <p:sldId id="295" r:id="rId3"/>
     <p:sldId id="290" r:id="rId4"/>
-    <p:sldId id="292" r:id="rId5"/>
-    <p:sldId id="297" r:id="rId6"/>
-    <p:sldId id="293" r:id="rId7"/>
-    <p:sldId id="288" r:id="rId8"/>
+    <p:sldId id="298" r:id="rId5"/>
+    <p:sldId id="299" r:id="rId6"/>
+    <p:sldId id="292" r:id="rId7"/>
+    <p:sldId id="297" r:id="rId8"/>
+    <p:sldId id="293" r:id="rId9"/>
+    <p:sldId id="288" r:id="rId10"/>
   </p:sldIdLst>
   <p:sldSz cx="12192000" cy="6858000"/>
   <p:notesSz cx="12192000" cy="6858000"/>
@@ -470,7 +472,7 @@
           <a:p>
             <a:fld id="{4116A549-763A-4A89-A454-A94BAF51395E}" type="slidenum">
               <a:rPr lang="es-ES" smtClean="0"/>
-              <a:t>‹Nº›</a:t>
+              <a:t>‹#›</a:t>
             </a:fld>
             <a:endParaRPr lang="es-ES"/>
           </a:p>
@@ -727,7 +729,7 @@
           <a:p>
             <a:fld id="{676223B9-C868-4436-87D9-1A3152E1157A}" type="slidenum">
               <a:rPr lang="es-ES" smtClean="0"/>
-              <a:t>‹Nº›</a:t>
+              <a:t>‹#›</a:t>
             </a:fld>
             <a:endParaRPr lang="es-ES"/>
           </a:p>
@@ -1009,7 +1011,7 @@
           <a:p>
             <a:fld id="{676223B9-C868-4436-87D9-1A3152E1157A}" type="slidenum">
               <a:rPr lang="es-ES" smtClean="0"/>
-              <a:t>4</a:t>
+              <a:t>6</a:t>
             </a:fld>
             <a:endParaRPr lang="es-ES"/>
           </a:p>
@@ -1117,7 +1119,7 @@
           <a:p>
             <a:fld id="{676223B9-C868-4436-87D9-1A3152E1157A}" type="slidenum">
               <a:rPr lang="es-ES" smtClean="0"/>
-              <a:t>5</a:t>
+              <a:t>7</a:t>
             </a:fld>
             <a:endParaRPr lang="es-ES"/>
           </a:p>
@@ -1225,7 +1227,7 @@
           <a:p>
             <a:fld id="{676223B9-C868-4436-87D9-1A3152E1157A}" type="slidenum">
               <a:rPr lang="es-ES" smtClean="0"/>
-              <a:t>6</a:t>
+              <a:t>8</a:t>
             </a:fld>
             <a:endParaRPr lang="es-ES"/>
           </a:p>
@@ -1423,7 +1425,7 @@
           </a:lstStyle>
           <a:p>
             <a:fld id="{B6F15528-21DE-4FAA-801E-634DDDAF4B2B}" type="slidenum">
-              <a:t>‹Nº›</a:t>
+              <a:t>‹#›</a:t>
             </a:fld>
             <a:endParaRPr/>
           </a:p>
@@ -1590,7 +1592,7 @@
           </a:lstStyle>
           <a:p>
             <a:fld id="{B6F15528-21DE-4FAA-801E-634DDDAF4B2B}" type="slidenum">
-              <a:t>‹Nº›</a:t>
+              <a:t>‹#›</a:t>
             </a:fld>
             <a:endParaRPr/>
           </a:p>
@@ -1812,7 +1814,7 @@
           </a:lstStyle>
           <a:p>
             <a:fld id="{B6F15528-21DE-4FAA-801E-634DDDAF4B2B}" type="slidenum">
-              <a:t>‹Nº›</a:t>
+              <a:t>‹#›</a:t>
             </a:fld>
             <a:endParaRPr/>
           </a:p>
@@ -2019,7 +2021,7 @@
           </a:lstStyle>
           <a:p>
             <a:fld id="{B6F15528-21DE-4FAA-801E-634DDDAF4B2B}" type="slidenum">
-              <a:t>‹Nº›</a:t>
+              <a:t>‹#›</a:t>
             </a:fld>
             <a:endParaRPr/>
           </a:p>
@@ -2183,7 +2185,7 @@
           </a:lstStyle>
           <a:p>
             <a:fld id="{B6F15528-21DE-4FAA-801E-634DDDAF4B2B}" type="slidenum">
-              <a:t>‹Nº›</a:t>
+              <a:t>‹#›</a:t>
             </a:fld>
             <a:endParaRPr/>
           </a:p>
@@ -2485,7 +2487,7 @@
           </a:lstStyle>
           <a:p>
             <a:fld id="{B6F15528-21DE-4FAA-801E-634DDDAF4B2B}" type="slidenum">
-              <a:t>‹Nº›</a:t>
+              <a:t>‹#›</a:t>
             </a:fld>
             <a:endParaRPr/>
           </a:p>
@@ -5296,6 +5298,452 @@
   <p:cSld>
     <p:spTree>
       <p:nvGrpSpPr>
+        <p:cNvPr id="1" name=""/>
+        <p:cNvGrpSpPr/>
+        <p:nvPr/>
+      </p:nvGrpSpPr>
+      <p:grpSpPr>
+        <a:xfrm>
+          <a:off x="0" y="0"/>
+          <a:ext cx="0" cy="0"/>
+          <a:chOff x="0" y="0"/>
+          <a:chExt cx="0" cy="0"/>
+        </a:xfrm>
+      </p:grpSpPr>
+      <p:sp>
+        <p:nvSpPr>
+          <p:cNvPr id="2" name="Title 1">
+            <a:extLst>
+              <a:ext uri="{FF2B5EF4-FFF2-40B4-BE49-F238E27FC236}">
+                <a16:creationId xmlns:a16="http://schemas.microsoft.com/office/drawing/2014/main" id="{402AE3E3-CCA1-FA59-FEB0-88E3E9258C71}"/>
+              </a:ext>
+            </a:extLst>
+          </p:cNvPr>
+          <p:cNvSpPr>
+            <a:spLocks noGrp="1"/>
+          </p:cNvSpPr>
+          <p:nvPr>
+            <p:ph type="title"/>
+          </p:nvPr>
+        </p:nvSpPr>
+        <p:spPr/>
+        <p:txBody>
+          <a:bodyPr/>
+          <a:lstStyle/>
+          <a:p>
+            <a:endParaRPr lang="es-CO"/>
+          </a:p>
+        </p:txBody>
+      </p:sp>
+      <p:sp>
+        <p:nvSpPr>
+          <p:cNvPr id="3" name="Text Placeholder 2">
+            <a:extLst>
+              <a:ext uri="{FF2B5EF4-FFF2-40B4-BE49-F238E27FC236}">
+                <a16:creationId xmlns:a16="http://schemas.microsoft.com/office/drawing/2014/main" id="{065C7DE4-91AC-E54C-F835-D5A3AB252545}"/>
+              </a:ext>
+            </a:extLst>
+          </p:cNvPr>
+          <p:cNvSpPr>
+            <a:spLocks noGrp="1"/>
+          </p:cNvSpPr>
+          <p:nvPr>
+            <p:ph type="body" idx="1"/>
+          </p:nvPr>
+        </p:nvSpPr>
+        <p:spPr>
+          <a:xfrm>
+            <a:off x="609600" y="685800"/>
+            <a:ext cx="10972800" cy="3950710"/>
+          </a:xfrm>
+        </p:spPr>
+        <p:txBody>
+          <a:bodyPr/>
+          <a:lstStyle/>
+          <a:p>
+            <a:endParaRPr lang="es-CO" dirty="0"/>
+          </a:p>
+        </p:txBody>
+      </p:sp>
+      <p:sp>
+        <p:nvSpPr>
+          <p:cNvPr id="4" name="Footer Placeholder 3">
+            <a:extLst>
+              <a:ext uri="{FF2B5EF4-FFF2-40B4-BE49-F238E27FC236}">
+                <a16:creationId xmlns:a16="http://schemas.microsoft.com/office/drawing/2014/main" id="{2B7A24A6-0FB3-04E4-58F1-0289212CE9F4}"/>
+              </a:ext>
+            </a:extLst>
+          </p:cNvPr>
+          <p:cNvSpPr>
+            <a:spLocks noGrp="1"/>
+          </p:cNvSpPr>
+          <p:nvPr>
+            <p:ph type="ftr" sz="quarter" idx="5"/>
+          </p:nvPr>
+        </p:nvSpPr>
+        <p:spPr/>
+        <p:txBody>
+          <a:bodyPr/>
+          <a:lstStyle/>
+          <a:p>
+            <a:pPr marL="12700">
+              <a:spcBef>
+                <a:spcPts val="15"/>
+              </a:spcBef>
+            </a:pPr>
+            <a:r>
+              <a:rPr lang="es-ES" spc="-5"/>
+              <a:t>LAB 1.0. WAVEGUIDES</a:t>
+            </a:r>
+            <a:endParaRPr lang="es-ES" spc="-5" dirty="0"/>
+          </a:p>
+        </p:txBody>
+      </p:sp>
+      <p:sp>
+        <p:nvSpPr>
+          <p:cNvPr id="5" name="Slide Number Placeholder 4">
+            <a:extLst>
+              <a:ext uri="{FF2B5EF4-FFF2-40B4-BE49-F238E27FC236}">
+                <a16:creationId xmlns:a16="http://schemas.microsoft.com/office/drawing/2014/main" id="{EFB2C962-B9F0-3F1F-4F0E-4E8748835D3C}"/>
+              </a:ext>
+            </a:extLst>
+          </p:cNvPr>
+          <p:cNvSpPr>
+            <a:spLocks noGrp="1"/>
+          </p:cNvSpPr>
+          <p:nvPr>
+            <p:ph type="sldNum" sz="quarter" idx="7"/>
+          </p:nvPr>
+        </p:nvSpPr>
+        <p:spPr/>
+        <p:txBody>
+          <a:bodyPr/>
+          <a:lstStyle/>
+          <a:p>
+            <a:fld id="{B6F15528-21DE-4FAA-801E-634DDDAF4B2B}" type="slidenum">
+              <a:rPr lang="es-CO" smtClean="0"/>
+              <a:t>4</a:t>
+            </a:fld>
+            <a:endParaRPr lang="es-CO"/>
+          </a:p>
+        </p:txBody>
+      </p:sp>
+      <p:pic>
+        <p:nvPicPr>
+          <p:cNvPr id="7" name="Picture 6">
+            <a:extLst>
+              <a:ext uri="{FF2B5EF4-FFF2-40B4-BE49-F238E27FC236}">
+                <a16:creationId xmlns:a16="http://schemas.microsoft.com/office/drawing/2014/main" id="{B9E47C66-1F3C-6E2A-1748-F4647BEFD3BE}"/>
+              </a:ext>
+            </a:extLst>
+          </p:cNvPr>
+          <p:cNvPicPr>
+            <a:picLocks noChangeAspect="1"/>
+          </p:cNvPicPr>
+          <p:nvPr/>
+        </p:nvPicPr>
+        <p:blipFill>
+          <a:blip r:embed="rId2">
+            <a:extLst>
+              <a:ext uri="{28A0092B-C50C-407E-A947-70E740481C1C}">
+                <a14:useLocalDpi xmlns:a14="http://schemas.microsoft.com/office/drawing/2010/main" val="0"/>
+              </a:ext>
+            </a:extLst>
+          </a:blip>
+          <a:stretch>
+            <a:fillRect/>
+          </a:stretch>
+        </p:blipFill>
+        <p:spPr>
+          <a:xfrm>
+            <a:off x="3654547" y="1143000"/>
+            <a:ext cx="4882906" cy="4297689"/>
+          </a:xfrm>
+          <a:prstGeom prst="rect">
+            <a:avLst/>
+          </a:prstGeom>
+        </p:spPr>
+      </p:pic>
+    </p:spTree>
+    <p:extLst>
+      <p:ext uri="{BB962C8B-B14F-4D97-AF65-F5344CB8AC3E}">
+        <p14:creationId xmlns:p14="http://schemas.microsoft.com/office/powerpoint/2010/main" val="557849636"/>
+      </p:ext>
+    </p:extLst>
+  </p:cSld>
+  <p:clrMapOvr>
+    <a:masterClrMapping/>
+  </p:clrMapOvr>
+</p:sld>
+</file>
+
+<file path=ppt/slides/slide5.xml><?xml version="1.0" encoding="utf-8"?>
+<p:sld xmlns:a="http://schemas.openxmlformats.org/drawingml/2006/main" xmlns:r="http://schemas.openxmlformats.org/officeDocument/2006/relationships" xmlns:p="http://schemas.openxmlformats.org/presentationml/2006/main">
+  <p:cSld>
+    <p:spTree>
+      <p:nvGrpSpPr>
+        <p:cNvPr id="1" name="">
+          <a:extLst>
+            <a:ext uri="{FF2B5EF4-FFF2-40B4-BE49-F238E27FC236}">
+              <a16:creationId xmlns:a16="http://schemas.microsoft.com/office/drawing/2014/main" id="{4364464C-78F4-6AD7-9F52-4901C660C602}"/>
+            </a:ext>
+          </a:extLst>
+        </p:cNvPr>
+        <p:cNvGrpSpPr/>
+        <p:nvPr/>
+      </p:nvGrpSpPr>
+      <p:grpSpPr>
+        <a:xfrm>
+          <a:off x="0" y="0"/>
+          <a:ext cx="0" cy="0"/>
+          <a:chOff x="0" y="0"/>
+          <a:chExt cx="0" cy="0"/>
+        </a:xfrm>
+      </p:grpSpPr>
+      <p:sp>
+        <p:nvSpPr>
+          <p:cNvPr id="2" name="Title 1">
+            <a:extLst>
+              <a:ext uri="{FF2B5EF4-FFF2-40B4-BE49-F238E27FC236}">
+                <a16:creationId xmlns:a16="http://schemas.microsoft.com/office/drawing/2014/main" id="{BF9125DA-7FFA-DA86-9A83-1577CA870365}"/>
+              </a:ext>
+            </a:extLst>
+          </p:cNvPr>
+          <p:cNvSpPr>
+            <a:spLocks noGrp="1"/>
+          </p:cNvSpPr>
+          <p:nvPr>
+            <p:ph type="title"/>
+          </p:nvPr>
+        </p:nvSpPr>
+        <p:spPr/>
+        <p:txBody>
+          <a:bodyPr/>
+          <a:lstStyle/>
+          <a:p>
+            <a:endParaRPr lang="es-CO"/>
+          </a:p>
+        </p:txBody>
+      </p:sp>
+      <p:sp>
+        <p:nvSpPr>
+          <p:cNvPr id="3" name="Text Placeholder 2">
+            <a:extLst>
+              <a:ext uri="{FF2B5EF4-FFF2-40B4-BE49-F238E27FC236}">
+                <a16:creationId xmlns:a16="http://schemas.microsoft.com/office/drawing/2014/main" id="{0F8893B3-E819-0870-F370-04B71A16E740}"/>
+              </a:ext>
+            </a:extLst>
+          </p:cNvPr>
+          <p:cNvSpPr>
+            <a:spLocks noGrp="1"/>
+          </p:cNvSpPr>
+          <p:nvPr>
+            <p:ph type="body" idx="1"/>
+          </p:nvPr>
+        </p:nvSpPr>
+        <p:spPr>
+          <a:xfrm>
+            <a:off x="609600" y="685800"/>
+            <a:ext cx="10972800" cy="3950710"/>
+          </a:xfrm>
+        </p:spPr>
+        <p:txBody>
+          <a:bodyPr/>
+          <a:lstStyle/>
+          <a:p>
+            <a:endParaRPr lang="es-CO" dirty="0"/>
+          </a:p>
+        </p:txBody>
+      </p:sp>
+      <p:sp>
+        <p:nvSpPr>
+          <p:cNvPr id="4" name="Footer Placeholder 3">
+            <a:extLst>
+              <a:ext uri="{FF2B5EF4-FFF2-40B4-BE49-F238E27FC236}">
+                <a16:creationId xmlns:a16="http://schemas.microsoft.com/office/drawing/2014/main" id="{353D3AD7-939F-5090-C341-F63E8AAB6900}"/>
+              </a:ext>
+            </a:extLst>
+          </p:cNvPr>
+          <p:cNvSpPr>
+            <a:spLocks noGrp="1"/>
+          </p:cNvSpPr>
+          <p:nvPr>
+            <p:ph type="ftr" sz="quarter" idx="5"/>
+          </p:nvPr>
+        </p:nvSpPr>
+        <p:spPr/>
+        <p:txBody>
+          <a:bodyPr/>
+          <a:lstStyle/>
+          <a:p>
+            <a:pPr marL="12700">
+              <a:spcBef>
+                <a:spcPts val="15"/>
+              </a:spcBef>
+            </a:pPr>
+            <a:r>
+              <a:rPr lang="es-ES" spc="-5"/>
+              <a:t>LAB 1.0. WAVEGUIDES</a:t>
+            </a:r>
+            <a:endParaRPr lang="es-ES" spc="-5" dirty="0"/>
+          </a:p>
+        </p:txBody>
+      </p:sp>
+      <p:sp>
+        <p:nvSpPr>
+          <p:cNvPr id="5" name="Slide Number Placeholder 4">
+            <a:extLst>
+              <a:ext uri="{FF2B5EF4-FFF2-40B4-BE49-F238E27FC236}">
+                <a16:creationId xmlns:a16="http://schemas.microsoft.com/office/drawing/2014/main" id="{9AA8A044-AD82-7BCE-8CB9-EFD4E6708AF9}"/>
+              </a:ext>
+            </a:extLst>
+          </p:cNvPr>
+          <p:cNvSpPr>
+            <a:spLocks noGrp="1"/>
+          </p:cNvSpPr>
+          <p:nvPr>
+            <p:ph type="sldNum" sz="quarter" idx="7"/>
+          </p:nvPr>
+        </p:nvSpPr>
+        <p:spPr/>
+        <p:txBody>
+          <a:bodyPr/>
+          <a:lstStyle/>
+          <a:p>
+            <a:fld id="{B6F15528-21DE-4FAA-801E-634DDDAF4B2B}" type="slidenum">
+              <a:rPr lang="es-CO" smtClean="0"/>
+              <a:t>5</a:t>
+            </a:fld>
+            <a:endParaRPr lang="es-CO"/>
+          </a:p>
+        </p:txBody>
+      </p:sp>
+      <p:pic>
+        <p:nvPicPr>
+          <p:cNvPr id="8" name="Picture 7">
+            <a:extLst>
+              <a:ext uri="{FF2B5EF4-FFF2-40B4-BE49-F238E27FC236}">
+                <a16:creationId xmlns:a16="http://schemas.microsoft.com/office/drawing/2014/main" id="{875B305C-12CD-07E6-4A66-60078DBEFD98}"/>
+              </a:ext>
+            </a:extLst>
+          </p:cNvPr>
+          <p:cNvPicPr>
+            <a:picLocks noChangeAspect="1"/>
+          </p:cNvPicPr>
+          <p:nvPr/>
+        </p:nvPicPr>
+        <p:blipFill>
+          <a:blip r:embed="rId2">
+            <a:extLst>
+              <a:ext uri="{28A0092B-C50C-407E-A947-70E740481C1C}">
+                <a14:useLocalDpi xmlns:a14="http://schemas.microsoft.com/office/drawing/2010/main" val="0"/>
+              </a:ext>
+            </a:extLst>
+          </a:blip>
+          <a:stretch>
+            <a:fillRect/>
+          </a:stretch>
+        </p:blipFill>
+        <p:spPr>
+          <a:xfrm>
+            <a:off x="-152400" y="517639"/>
+            <a:ext cx="4882906" cy="4297689"/>
+          </a:xfrm>
+          <a:prstGeom prst="rect">
+            <a:avLst/>
+          </a:prstGeom>
+        </p:spPr>
+      </p:pic>
+      <p:pic>
+        <p:nvPicPr>
+          <p:cNvPr id="10" name="Picture 9">
+            <a:extLst>
+              <a:ext uri="{FF2B5EF4-FFF2-40B4-BE49-F238E27FC236}">
+                <a16:creationId xmlns:a16="http://schemas.microsoft.com/office/drawing/2014/main" id="{AFE5BC3B-56A6-4237-7A57-B05A279C9FD3}"/>
+              </a:ext>
+            </a:extLst>
+          </p:cNvPr>
+          <p:cNvPicPr>
+            <a:picLocks noChangeAspect="1"/>
+          </p:cNvPicPr>
+          <p:nvPr/>
+        </p:nvPicPr>
+        <p:blipFill>
+          <a:blip r:embed="rId3">
+            <a:extLst>
+              <a:ext uri="{28A0092B-C50C-407E-A947-70E740481C1C}">
+                <a14:useLocalDpi xmlns:a14="http://schemas.microsoft.com/office/drawing/2010/main" val="0"/>
+              </a:ext>
+            </a:extLst>
+          </a:blip>
+          <a:stretch>
+            <a:fillRect/>
+          </a:stretch>
+        </p:blipFill>
+        <p:spPr>
+          <a:xfrm>
+            <a:off x="3352800" y="1825205"/>
+            <a:ext cx="4882906" cy="4297689"/>
+          </a:xfrm>
+          <a:prstGeom prst="rect">
+            <a:avLst/>
+          </a:prstGeom>
+        </p:spPr>
+      </p:pic>
+      <p:pic>
+        <p:nvPicPr>
+          <p:cNvPr id="12" name="Picture 11">
+            <a:extLst>
+              <a:ext uri="{FF2B5EF4-FFF2-40B4-BE49-F238E27FC236}">
+                <a16:creationId xmlns:a16="http://schemas.microsoft.com/office/drawing/2014/main" id="{4432BF8C-71F0-7668-2898-778334C0EF70}"/>
+              </a:ext>
+            </a:extLst>
+          </p:cNvPr>
+          <p:cNvPicPr>
+            <a:picLocks noChangeAspect="1"/>
+          </p:cNvPicPr>
+          <p:nvPr/>
+        </p:nvPicPr>
+        <p:blipFill>
+          <a:blip r:embed="rId4">
+            <a:extLst>
+              <a:ext uri="{28A0092B-C50C-407E-A947-70E740481C1C}">
+                <a14:useLocalDpi xmlns:a14="http://schemas.microsoft.com/office/drawing/2010/main" val="0"/>
+              </a:ext>
+            </a:extLst>
+          </a:blip>
+          <a:stretch>
+            <a:fillRect/>
+          </a:stretch>
+        </p:blipFill>
+        <p:spPr>
+          <a:xfrm>
+            <a:off x="7613896" y="467084"/>
+            <a:ext cx="4882906" cy="4297689"/>
+          </a:xfrm>
+          <a:prstGeom prst="rect">
+            <a:avLst/>
+          </a:prstGeom>
+        </p:spPr>
+      </p:pic>
+    </p:spTree>
+    <p:extLst>
+      <p:ext uri="{BB962C8B-B14F-4D97-AF65-F5344CB8AC3E}">
+        <p14:creationId xmlns:p14="http://schemas.microsoft.com/office/powerpoint/2010/main" val="3200814040"/>
+      </p:ext>
+    </p:extLst>
+  </p:cSld>
+  <p:clrMapOvr>
+    <a:masterClrMapping/>
+  </p:clrMapOvr>
+</p:sld>
+</file>
+
+<file path=ppt/slides/slide6.xml><?xml version="1.0" encoding="utf-8"?>
+<p:sld xmlns:a="http://schemas.openxmlformats.org/drawingml/2006/main" xmlns:r="http://schemas.openxmlformats.org/officeDocument/2006/relationships" xmlns:p="http://schemas.openxmlformats.org/presentationml/2006/main">
+  <p:cSld>
+    <p:spTree>
+      <p:nvGrpSpPr>
         <p:cNvPr id="1" name="">
           <a:extLst>
             <a:ext uri="{FF2B5EF4-FFF2-40B4-BE49-F238E27FC236}">
@@ -5433,7 +5881,7 @@
           <a:p>
             <a:fld id="{B6F15528-21DE-4FAA-801E-634DDDAF4B2B}" type="slidenum">
               <a:rPr lang="es-ES" smtClean="0"/>
-              <a:t>4</a:t>
+              <a:t>6</a:t>
             </a:fld>
             <a:endParaRPr lang="es-ES"/>
           </a:p>
@@ -5685,7 +6133,7 @@
 </p:sld>
 </file>
 
-<file path=ppt/slides/slide5.xml><?xml version="1.0" encoding="utf-8"?>
+<file path=ppt/slides/slide7.xml><?xml version="1.0" encoding="utf-8"?>
 <p:sld xmlns:a="http://schemas.openxmlformats.org/drawingml/2006/main" xmlns:r="http://schemas.openxmlformats.org/officeDocument/2006/relationships" xmlns:p="http://schemas.openxmlformats.org/presentationml/2006/main">
   <p:cSld>
     <p:spTree>
@@ -5708,8 +6156,8 @@
           <a:chExt cx="0" cy="0"/>
         </a:xfrm>
       </p:grpSpPr>
-      <mc:AlternateContent xmlns:mc="http://schemas.openxmlformats.org/markup-compatibility/2006">
-        <mc:Choice xmlns:a14="http://schemas.microsoft.com/office/drawing/2010/main" Requires="a14">
+      <mc:AlternateContent xmlns:mc="http://schemas.openxmlformats.org/markup-compatibility/2006" xmlns:a14="http://schemas.microsoft.com/office/drawing/2010/main">
+        <mc:Choice Requires="a14">
           <p:sp>
             <p:nvSpPr>
               <p:cNvPr id="16" name="object 16">
@@ -6036,7 +6484,7 @@
             </p:txBody>
           </p:sp>
         </mc:Choice>
-        <mc:Fallback>
+        <mc:Fallback xmlns="">
           <p:sp>
             <p:nvSpPr>
               <p:cNvPr id="16" name="object 16">
@@ -6142,7 +6590,7 @@
           <a:p>
             <a:fld id="{B6F15528-21DE-4FAA-801E-634DDDAF4B2B}" type="slidenum">
               <a:rPr lang="es-ES" smtClean="0"/>
-              <a:t>5</a:t>
+              <a:t>7</a:t>
             </a:fld>
             <a:endParaRPr lang="es-ES"/>
           </a:p>
@@ -7156,7 +7604,7 @@
 </p:sld>
 </file>
 
-<file path=ppt/slides/slide6.xml><?xml version="1.0" encoding="utf-8"?>
+<file path=ppt/slides/slide8.xml><?xml version="1.0" encoding="utf-8"?>
 <p:sld xmlns:a="http://schemas.openxmlformats.org/drawingml/2006/main" xmlns:r="http://schemas.openxmlformats.org/officeDocument/2006/relationships" xmlns:p="http://schemas.openxmlformats.org/presentationml/2006/main">
   <p:cSld>
     <p:spTree>
@@ -7306,7 +7754,7 @@
           <a:p>
             <a:fld id="{B6F15528-21DE-4FAA-801E-634DDDAF4B2B}" type="slidenum">
               <a:rPr lang="es-ES" smtClean="0"/>
-              <a:t>6</a:t>
+              <a:t>8</a:t>
             </a:fld>
             <a:endParaRPr lang="es-ES"/>
           </a:p>
@@ -7778,7 +8226,7 @@
 </p:sld>
 </file>
 
-<file path=ppt/slides/slide7.xml><?xml version="1.0" encoding="utf-8"?>
+<file path=ppt/slides/slide9.xml><?xml version="1.0" encoding="utf-8"?>
 <p:sld xmlns:a="http://schemas.openxmlformats.org/drawingml/2006/main" xmlns:r="http://schemas.openxmlformats.org/officeDocument/2006/relationships" xmlns:p="http://schemas.openxmlformats.org/presentationml/2006/main">
   <p:cSld>
     <p:spTree>
@@ -7917,7 +8365,7 @@
           <a:p>
             <a:fld id="{B6F15528-21DE-4FAA-801E-634DDDAF4B2B}" type="slidenum">
               <a:rPr lang="es-ES" smtClean="0"/>
-              <a:t>7</a:t>
+              <a:t>9</a:t>
             </a:fld>
             <a:endParaRPr lang="es-ES"/>
           </a:p>
